--- a/presentation_crypto-devises.pptx
+++ b/presentation_crypto-devises.pptx
@@ -7838,6 +7838,12 @@
             </a:r>
           </a:p>
           <a:p>
+            <a:endParaRPr lang="fr-FR" dirty="0"/>
+          </a:p>
+          <a:p>
+            <a:endParaRPr lang="fr-FR" dirty="0"/>
+          </a:p>
+          <a:p>
             <a:pPr lvl="1"/>
             <a:endParaRPr lang="fr-FR" dirty="0"/>
           </a:p>
@@ -8025,6 +8031,66 @@
           </a:p>
         </p:txBody>
       </p:sp>
+      <p:pic>
+        <p:nvPicPr>
+          <p:cNvPr id="4" name="Image 3">
+            <a:extLst>
+              <a:ext uri="{FF2B5EF4-FFF2-40B4-BE49-F238E27FC236}">
+                <a16:creationId xmlns:a16="http://schemas.microsoft.com/office/drawing/2014/main" id="{641BF32F-1416-D34E-BA30-15759D10C785}"/>
+              </a:ext>
+            </a:extLst>
+          </p:cNvPr>
+          <p:cNvPicPr>
+            <a:picLocks noChangeAspect="1"/>
+          </p:cNvPicPr>
+          <p:nvPr/>
+        </p:nvPicPr>
+        <p:blipFill>
+          <a:blip r:embed="rId5"/>
+          <a:stretch>
+            <a:fillRect/>
+          </a:stretch>
+        </p:blipFill>
+        <p:spPr>
+          <a:xfrm>
+            <a:off x="5610507" y="1252581"/>
+            <a:ext cx="1066800" cy="5034933"/>
+          </a:xfrm>
+          <a:prstGeom prst="rect">
+            <a:avLst/>
+          </a:prstGeom>
+        </p:spPr>
+      </p:pic>
+      <p:pic>
+        <p:nvPicPr>
+          <p:cNvPr id="6" name="Image 5">
+            <a:extLst>
+              <a:ext uri="{FF2B5EF4-FFF2-40B4-BE49-F238E27FC236}">
+                <a16:creationId xmlns:a16="http://schemas.microsoft.com/office/drawing/2014/main" id="{735D897D-480B-BD47-87EF-2D6FC591D0E5}"/>
+              </a:ext>
+            </a:extLst>
+          </p:cNvPr>
+          <p:cNvPicPr>
+            <a:picLocks noChangeAspect="1"/>
+          </p:cNvPicPr>
+          <p:nvPr/>
+        </p:nvPicPr>
+        <p:blipFill>
+          <a:blip r:embed="rId6"/>
+          <a:stretch>
+            <a:fillRect/>
+          </a:stretch>
+        </p:blipFill>
+        <p:spPr>
+          <a:xfrm>
+            <a:off x="9831840" y="1336548"/>
+            <a:ext cx="1041400" cy="5021434"/>
+          </a:xfrm>
+          <a:prstGeom prst="rect">
+            <a:avLst/>
+          </a:prstGeom>
+        </p:spPr>
+      </p:pic>
     </p:spTree>
     <p:extLst>
       <p:ext uri="{BB962C8B-B14F-4D97-AF65-F5344CB8AC3E}">
